--- a/WebProgramlamaE-Yoklama.pptx
+++ b/WebProgramlamaE-Yoklama.pptx
@@ -122,6 +122,11 @@
       </a:defRPr>
     </a:lvl9pPr>
   </p:defaultTextStyle>
+  <p:extLst>
+    <p:ext uri="{EFAFB233-063F-42B5-8137-9DF3F51BA10A}">
+      <p15:sldGuideLst xmlns:p15="http://schemas.microsoft.com/office/powerpoint/2012/main"/>
+    </p:ext>
+  </p:extLst>
 </p:presentation>
 </file>
 
@@ -23255,8 +23260,17 @@
             </a:br>
             <a:r>
               <a:rPr lang="tr-TR" dirty="0"/>
-              <a:t>NEDEN E-YOKLAMA </a:t>
+              <a:t>E-</a:t>
             </a:r>
+            <a:r>
+              <a:rPr lang="tr-TR" dirty="0" err="1"/>
+              <a:t>YOKLAMA’nın</a:t>
+            </a:r>
+            <a:r>
+              <a:rPr lang="tr-TR"/>
+              <a:t> AMACI</a:t>
+            </a:r>
+            <a:endParaRPr lang="tr-TR" dirty="0"/>
           </a:p>
         </p:txBody>
       </p:sp>

--- a/WebProgramlamaE-Yoklama.pptx
+++ b/WebProgramlamaE-Yoklama.pptx
@@ -16,11 +16,11 @@
     <p:sldId id="258" r:id="rId7"/>
     <p:sldId id="259" r:id="rId8"/>
     <p:sldId id="261" r:id="rId9"/>
-    <p:sldId id="262" r:id="rId10"/>
-    <p:sldId id="263" r:id="rId11"/>
-    <p:sldId id="264" r:id="rId12"/>
-    <p:sldId id="266" r:id="rId13"/>
-    <p:sldId id="267" r:id="rId14"/>
+    <p:sldId id="273" r:id="rId10"/>
+    <p:sldId id="262" r:id="rId11"/>
+    <p:sldId id="263" r:id="rId12"/>
+    <p:sldId id="264" r:id="rId13"/>
+    <p:sldId id="266" r:id="rId14"/>
     <p:sldId id="268" r:id="rId15"/>
     <p:sldId id="269" r:id="rId16"/>
     <p:sldId id="270" r:id="rId17"/>
@@ -3709,7 +3709,7 @@
           <a:p>
             <a:fld id="{5AD916BB-6ABE-4A8B-95D7-FC1472EB9757}" type="datetimeFigureOut">
               <a:rPr lang="tr-TR" smtClean="0"/>
-              <a:t>8.06.2022</a:t>
+              <a:t>9.06.2022</a:t>
             </a:fld>
             <a:endParaRPr lang="tr-TR"/>
           </a:p>
@@ -5642,7 +5642,7 @@
           <a:p>
             <a:fld id="{8F72BA41-EC5B-4197-BCC8-0FD2E523CD7A}" type="datetimeFigureOut">
               <a:rPr lang="en-US" smtClean="0"/>
-              <a:t>6/8/2022</a:t>
+              <a:t>6/9/2022</a:t>
             </a:fld>
             <a:endParaRPr lang="en-US"/>
           </a:p>
@@ -5845,7 +5845,7 @@
           <a:p>
             <a:fld id="{8F72BA41-EC5B-4197-BCC8-0FD2E523CD7A}" type="datetimeFigureOut">
               <a:rPr lang="en-US" smtClean="0"/>
-              <a:t>6/8/2022</a:t>
+              <a:t>6/9/2022</a:t>
             </a:fld>
             <a:endParaRPr lang="en-US"/>
           </a:p>
@@ -7566,7 +7566,7 @@
           <a:p>
             <a:fld id="{8F72BA41-EC5B-4197-BCC8-0FD2E523CD7A}" type="datetimeFigureOut">
               <a:rPr lang="en-US" smtClean="0"/>
-              <a:t>6/8/2022</a:t>
+              <a:t>6/9/2022</a:t>
             </a:fld>
             <a:endParaRPr lang="en-US"/>
           </a:p>
@@ -7765,7 +7765,7 @@
           <a:p>
             <a:fld id="{8F72BA41-EC5B-4197-BCC8-0FD2E523CD7A}" type="datetimeFigureOut">
               <a:rPr lang="en-US" smtClean="0"/>
-              <a:t>6/8/2022</a:t>
+              <a:t>6/9/2022</a:t>
             </a:fld>
             <a:endParaRPr lang="en-US"/>
           </a:p>
@@ -9555,7 +9555,7 @@
           <a:p>
             <a:fld id="{8F72BA41-EC5B-4197-BCC8-0FD2E523CD7A}" type="datetimeFigureOut">
               <a:rPr lang="en-US" smtClean="0"/>
-              <a:t>6/8/2022</a:t>
+              <a:t>6/9/2022</a:t>
             </a:fld>
             <a:endParaRPr lang="en-US"/>
           </a:p>
@@ -9828,7 +9828,7 @@
           <a:p>
             <a:fld id="{8F72BA41-EC5B-4197-BCC8-0FD2E523CD7A}" type="datetimeFigureOut">
               <a:rPr lang="en-US" smtClean="0"/>
-              <a:t>6/8/2022</a:t>
+              <a:t>6/9/2022</a:t>
             </a:fld>
             <a:endParaRPr lang="en-US"/>
           </a:p>
@@ -10248,7 +10248,7 @@
           <a:p>
             <a:fld id="{8F72BA41-EC5B-4197-BCC8-0FD2E523CD7A}" type="datetimeFigureOut">
               <a:rPr lang="en-US" smtClean="0"/>
-              <a:t>6/8/2022</a:t>
+              <a:t>6/9/2022</a:t>
             </a:fld>
             <a:endParaRPr lang="en-US"/>
           </a:p>
@@ -10404,7 +10404,7 @@
           <a:p>
             <a:fld id="{8F72BA41-EC5B-4197-BCC8-0FD2E523CD7A}" type="datetimeFigureOut">
               <a:rPr lang="en-US" smtClean="0"/>
-              <a:t>6/8/2022</a:t>
+              <a:t>6/9/2022</a:t>
             </a:fld>
             <a:endParaRPr lang="en-US"/>
           </a:p>
@@ -11972,7 +11972,7 @@
           <a:p>
             <a:fld id="{8F72BA41-EC5B-4197-BCC8-0FD2E523CD7A}" type="datetimeFigureOut">
               <a:rPr lang="en-US" smtClean="0"/>
-              <a:t>6/8/2022</a:t>
+              <a:t>6/9/2022</a:t>
             </a:fld>
             <a:endParaRPr lang="en-US"/>
           </a:p>
@@ -13823,7 +13823,7 @@
           <a:p>
             <a:fld id="{8F72BA41-EC5B-4197-BCC8-0FD2E523CD7A}" type="datetimeFigureOut">
               <a:rPr lang="en-US" smtClean="0"/>
-              <a:t>6/8/2022</a:t>
+              <a:t>6/9/2022</a:t>
             </a:fld>
             <a:endParaRPr lang="en-US"/>
           </a:p>
@@ -15636,7 +15636,7 @@
           <a:p>
             <a:fld id="{8F72BA41-EC5B-4197-BCC8-0FD2E523CD7A}" type="datetimeFigureOut">
               <a:rPr lang="en-US" smtClean="0"/>
-              <a:t>6/8/2022</a:t>
+              <a:t>6/9/2022</a:t>
             </a:fld>
             <a:endParaRPr lang="en-US"/>
           </a:p>
@@ -17330,7 +17330,7 @@
             <a:fld id="{8F72BA41-EC5B-4197-BCC8-0FD2E523CD7A}" type="datetimeFigureOut">
               <a:rPr lang="en-US" smtClean="0"/>
               <a:pPr/>
-              <a:t>6/8/2022</a:t>
+              <a:t>6/9/2022</a:t>
             </a:fld>
             <a:endParaRPr lang="en-US" dirty="0"/>
           </a:p>
@@ -19902,6 +19902,350 @@
       </p:grpSpPr>
       <p:pic>
         <p:nvPicPr>
+          <p:cNvPr id="7" name="Resim 6">
+            <a:extLst>
+              <a:ext uri="{FF2B5EF4-FFF2-40B4-BE49-F238E27FC236}">
+                <a16:creationId xmlns:a16="http://schemas.microsoft.com/office/drawing/2014/main" id="{C0788B68-5AD9-2293-C49B-4FAAF410B8B6}"/>
+              </a:ext>
+            </a:extLst>
+          </p:cNvPr>
+          <p:cNvPicPr>
+            <a:picLocks noChangeAspect="1"/>
+          </p:cNvPicPr>
+          <p:nvPr/>
+        </p:nvPicPr>
+        <p:blipFill>
+          <a:blip r:embed="rId2"/>
+          <a:stretch>
+            <a:fillRect/>
+          </a:stretch>
+        </p:blipFill>
+        <p:spPr>
+          <a:xfrm>
+            <a:off x="6052519" y="1288473"/>
+            <a:ext cx="6139481" cy="4451927"/>
+          </a:xfrm>
+          <a:prstGeom prst="rect">
+            <a:avLst/>
+          </a:prstGeom>
+        </p:spPr>
+      </p:pic>
+      <p:sp>
+        <p:nvSpPr>
+          <p:cNvPr id="2" name="Başlık 1">
+            <a:extLst>
+              <a:ext uri="{FF2B5EF4-FFF2-40B4-BE49-F238E27FC236}">
+                <a16:creationId xmlns:a16="http://schemas.microsoft.com/office/drawing/2014/main" id="{7040CDEA-5D3B-2158-EA33-DB48524ACED2}"/>
+              </a:ext>
+            </a:extLst>
+          </p:cNvPr>
+          <p:cNvSpPr>
+            <a:spLocks noGrp="1"/>
+          </p:cNvSpPr>
+          <p:nvPr>
+            <p:ph type="title"/>
+          </p:nvPr>
+        </p:nvSpPr>
+        <p:spPr>
+          <a:xfrm>
+            <a:off x="691079" y="240145"/>
+            <a:ext cx="10325000" cy="1048328"/>
+          </a:xfrm>
+        </p:spPr>
+        <p:txBody>
+          <a:bodyPr/>
+          <a:lstStyle/>
+          <a:p>
+            <a:r>
+              <a:rPr lang="tr-TR" dirty="0"/>
+              <a:t>Tabloya Öğrenci Ekleme</a:t>
+            </a:r>
+          </a:p>
+        </p:txBody>
+      </p:sp>
+      <p:sp>
+        <p:nvSpPr>
+          <p:cNvPr id="9" name="İçerik Yer Tutucusu 8">
+            <a:extLst>
+              <a:ext uri="{FF2B5EF4-FFF2-40B4-BE49-F238E27FC236}">
+                <a16:creationId xmlns:a16="http://schemas.microsoft.com/office/drawing/2014/main" id="{DB6481AD-4409-69A9-CE20-5DE1C92EC09E}"/>
+              </a:ext>
+            </a:extLst>
+          </p:cNvPr>
+          <p:cNvSpPr>
+            <a:spLocks noGrp="1"/>
+          </p:cNvSpPr>
+          <p:nvPr>
+            <p:ph idx="1"/>
+          </p:nvPr>
+        </p:nvSpPr>
+        <p:spPr>
+          <a:xfrm>
+            <a:off x="770163" y="1393166"/>
+            <a:ext cx="3394105" cy="910601"/>
+          </a:xfrm>
+        </p:spPr>
+        <p:txBody>
+          <a:bodyPr>
+            <a:normAutofit/>
+          </a:bodyPr>
+          <a:lstStyle/>
+          <a:p>
+            <a:r>
+              <a:rPr lang="tr-TR" dirty="0"/>
+              <a:t>Dersin öğrenci bilgisi</a:t>
+            </a:r>
+          </a:p>
+          <a:p>
+            <a:r>
+              <a:rPr lang="tr-TR" dirty="0"/>
+              <a:t>Monolog öğrenci ekleme</a:t>
+            </a:r>
+          </a:p>
+          <a:p>
+            <a:endParaRPr lang="tr-TR" dirty="0"/>
+          </a:p>
+          <a:p>
+            <a:endParaRPr lang="tr-TR" dirty="0"/>
+          </a:p>
+        </p:txBody>
+      </p:sp>
+      <p:cxnSp>
+        <p:nvCxnSpPr>
+          <p:cNvPr id="11" name="Bağlayıcı: Dirsek 10">
+            <a:extLst>
+              <a:ext uri="{FF2B5EF4-FFF2-40B4-BE49-F238E27FC236}">
+                <a16:creationId xmlns:a16="http://schemas.microsoft.com/office/drawing/2014/main" id="{9AF07B0F-C98C-2F06-24F8-62C5508DCFDF}"/>
+              </a:ext>
+            </a:extLst>
+          </p:cNvPr>
+          <p:cNvCxnSpPr>
+            <a:cxnSpLocks/>
+          </p:cNvCxnSpPr>
+          <p:nvPr/>
+        </p:nvCxnSpPr>
+        <p:spPr>
+          <a:xfrm>
+            <a:off x="3768695" y="1630132"/>
+            <a:ext cx="3666146" cy="1249801"/>
+          </a:xfrm>
+          <a:prstGeom prst="bentConnector3">
+            <a:avLst>
+              <a:gd name="adj1" fmla="val 50000"/>
+            </a:avLst>
+          </a:prstGeom>
+          <a:ln w="28575">
+            <a:solidFill>
+              <a:schemeClr val="tx1"/>
+            </a:solidFill>
+            <a:tailEnd type="triangle"/>
+          </a:ln>
+        </p:spPr>
+        <p:style>
+          <a:lnRef idx="1">
+            <a:schemeClr val="accent1"/>
+          </a:lnRef>
+          <a:fillRef idx="0">
+            <a:schemeClr val="accent1"/>
+          </a:fillRef>
+          <a:effectRef idx="0">
+            <a:schemeClr val="accent1"/>
+          </a:effectRef>
+          <a:fontRef idx="minor">
+            <a:schemeClr val="tx1"/>
+          </a:fontRef>
+        </p:style>
+      </p:cxnSp>
+      <p:cxnSp>
+        <p:nvCxnSpPr>
+          <p:cNvPr id="13" name="Bağlayıcı: Dirsek 12">
+            <a:extLst>
+              <a:ext uri="{FF2B5EF4-FFF2-40B4-BE49-F238E27FC236}">
+                <a16:creationId xmlns:a16="http://schemas.microsoft.com/office/drawing/2014/main" id="{52502AE4-D6A6-B8EC-AD4E-06F044863489}"/>
+              </a:ext>
+            </a:extLst>
+          </p:cNvPr>
+          <p:cNvCxnSpPr>
+            <a:cxnSpLocks/>
+          </p:cNvCxnSpPr>
+          <p:nvPr/>
+        </p:nvCxnSpPr>
+        <p:spPr>
+          <a:xfrm>
+            <a:off x="4031592" y="2102265"/>
+            <a:ext cx="3313518" cy="1119327"/>
+          </a:xfrm>
+          <a:prstGeom prst="bentConnector3">
+            <a:avLst>
+              <a:gd name="adj1" fmla="val 44326"/>
+            </a:avLst>
+          </a:prstGeom>
+          <a:ln w="28575">
+            <a:solidFill>
+              <a:schemeClr val="tx1"/>
+            </a:solidFill>
+            <a:tailEnd type="triangle"/>
+          </a:ln>
+        </p:spPr>
+        <p:style>
+          <a:lnRef idx="1">
+            <a:schemeClr val="accent1"/>
+          </a:lnRef>
+          <a:fillRef idx="0">
+            <a:schemeClr val="accent1"/>
+          </a:fillRef>
+          <a:effectRef idx="0">
+            <a:schemeClr val="accent1"/>
+          </a:effectRef>
+          <a:fontRef idx="minor">
+            <a:schemeClr val="tx1"/>
+          </a:fontRef>
+        </p:style>
+      </p:cxnSp>
+      <p:sp>
+        <p:nvSpPr>
+          <p:cNvPr id="28" name="Metin kutusu 27">
+            <a:extLst>
+              <a:ext uri="{FF2B5EF4-FFF2-40B4-BE49-F238E27FC236}">
+                <a16:creationId xmlns:a16="http://schemas.microsoft.com/office/drawing/2014/main" id="{D9FA0CA6-A924-2FEF-99AB-B5CB55CA9A54}"/>
+              </a:ext>
+            </a:extLst>
+          </p:cNvPr>
+          <p:cNvSpPr txBox="1"/>
+          <p:nvPr/>
+        </p:nvSpPr>
+        <p:spPr>
+          <a:xfrm>
+            <a:off x="971219" y="2374844"/>
+            <a:ext cx="4204530" cy="1477328"/>
+          </a:xfrm>
+          <a:prstGeom prst="rect">
+            <a:avLst/>
+          </a:prstGeom>
+          <a:noFill/>
+        </p:spPr>
+        <p:txBody>
+          <a:bodyPr wrap="square" rtlCol="0">
+            <a:spAutoFit/>
+          </a:bodyPr>
+          <a:lstStyle/>
+          <a:p>
+            <a:r>
+              <a:rPr lang="tr-TR" dirty="0"/>
+              <a:t>İnputtan öğrenci numarası girilip</a:t>
+            </a:r>
+            <a:br>
+              <a:rPr lang="tr-TR" dirty="0"/>
+            </a:br>
+            <a:r>
+              <a:rPr lang="tr-TR" dirty="0"/>
+              <a:t>butona tıkladığımızda </a:t>
+            </a:r>
+            <a:br>
+              <a:rPr lang="tr-TR" dirty="0"/>
+            </a:br>
+            <a:r>
+              <a:rPr lang="tr-TR" dirty="0"/>
+              <a:t>yoklama rapor tablomuzda öğrencimizi ekleyecektir</a:t>
+            </a:r>
+          </a:p>
+          <a:p>
+            <a:endParaRPr lang="tr-TR" dirty="0"/>
+          </a:p>
+        </p:txBody>
+      </p:sp>
+      <p:pic>
+        <p:nvPicPr>
+          <p:cNvPr id="30" name="Resim 29">
+            <a:extLst>
+              <a:ext uri="{FF2B5EF4-FFF2-40B4-BE49-F238E27FC236}">
+                <a16:creationId xmlns:a16="http://schemas.microsoft.com/office/drawing/2014/main" id="{F79A433D-9B57-2C44-9345-751D9A857B3F}"/>
+              </a:ext>
+            </a:extLst>
+          </p:cNvPr>
+          <p:cNvPicPr>
+            <a:picLocks noChangeAspect="1"/>
+          </p:cNvPicPr>
+          <p:nvPr/>
+        </p:nvPicPr>
+        <p:blipFill>
+          <a:blip r:embed="rId3"/>
+          <a:stretch>
+            <a:fillRect/>
+          </a:stretch>
+        </p:blipFill>
+        <p:spPr>
+          <a:xfrm>
+            <a:off x="971219" y="5083060"/>
+            <a:ext cx="3528815" cy="1408868"/>
+          </a:xfrm>
+          <a:prstGeom prst="rect">
+            <a:avLst/>
+          </a:prstGeom>
+        </p:spPr>
+      </p:pic>
+      <p:pic>
+        <p:nvPicPr>
+          <p:cNvPr id="4" name="Resim 3">
+            <a:extLst>
+              <a:ext uri="{FF2B5EF4-FFF2-40B4-BE49-F238E27FC236}">
+                <a16:creationId xmlns:a16="http://schemas.microsoft.com/office/drawing/2014/main" id="{22933601-E215-8548-CE11-3CF58A683A34}"/>
+              </a:ext>
+            </a:extLst>
+          </p:cNvPr>
+          <p:cNvPicPr>
+            <a:picLocks noChangeAspect="1"/>
+          </p:cNvPicPr>
+          <p:nvPr/>
+        </p:nvPicPr>
+        <p:blipFill>
+          <a:blip r:embed="rId4"/>
+          <a:stretch>
+            <a:fillRect/>
+          </a:stretch>
+        </p:blipFill>
+        <p:spPr>
+          <a:xfrm>
+            <a:off x="1001970" y="3616915"/>
+            <a:ext cx="3162298" cy="1408869"/>
+          </a:xfrm>
+          <a:prstGeom prst="rect">
+            <a:avLst/>
+          </a:prstGeom>
+        </p:spPr>
+      </p:pic>
+    </p:spTree>
+    <p:extLst>
+      <p:ext uri="{BB962C8B-B14F-4D97-AF65-F5344CB8AC3E}">
+        <p14:creationId xmlns:p14="http://schemas.microsoft.com/office/powerpoint/2010/main" val="2860701361"/>
+      </p:ext>
+    </p:extLst>
+  </p:cSld>
+  <p:clrMapOvr>
+    <a:masterClrMapping/>
+  </p:clrMapOvr>
+</p:sld>
+</file>
+
+<file path=ppt/slides/slide11.xml><?xml version="1.0" encoding="utf-8"?>
+<p:sld xmlns:a="http://schemas.openxmlformats.org/drawingml/2006/main" xmlns:r="http://schemas.openxmlformats.org/officeDocument/2006/relationships" xmlns:p="http://schemas.openxmlformats.org/presentationml/2006/main">
+  <p:cSld>
+    <p:spTree>
+      <p:nvGrpSpPr>
+        <p:cNvPr id="1" name=""/>
+        <p:cNvGrpSpPr/>
+        <p:nvPr/>
+      </p:nvGrpSpPr>
+      <p:grpSpPr>
+        <a:xfrm>
+          <a:off x="0" y="0"/>
+          <a:ext cx="0" cy="0"/>
+          <a:chOff x="0" y="0"/>
+          <a:chExt cx="0" cy="0"/>
+        </a:xfrm>
+      </p:grpSpPr>
+      <p:pic>
+        <p:nvPicPr>
           <p:cNvPr id="4" name="Resim 3">
             <a:extLst>
               <a:ext uri="{FF2B5EF4-FFF2-40B4-BE49-F238E27FC236}">
@@ -20095,7 +20439,7 @@
 </p:sld>
 </file>
 
-<file path=ppt/slides/slide11.xml><?xml version="1.0" encoding="utf-8"?>
+<file path=ppt/slides/slide12.xml><?xml version="1.0" encoding="utf-8"?>
 <p:sld xmlns:a="http://schemas.openxmlformats.org/drawingml/2006/main" xmlns:r="http://schemas.openxmlformats.org/officeDocument/2006/relationships" xmlns:p="http://schemas.openxmlformats.org/presentationml/2006/main">
   <p:cSld>
     <p:spTree>
@@ -20308,7 +20652,7 @@
 </p:sld>
 </file>
 
-<file path=ppt/slides/slide12.xml><?xml version="1.0" encoding="utf-8"?>
+<file path=ppt/slides/slide13.xml><?xml version="1.0" encoding="utf-8"?>
 <p:sld xmlns:a="http://schemas.openxmlformats.org/drawingml/2006/main" xmlns:r="http://schemas.openxmlformats.org/officeDocument/2006/relationships" xmlns:p="http://schemas.openxmlformats.org/presentationml/2006/main">
   <p:cSld>
     <p:spTree>
@@ -20488,174 +20832,6 @@
     <p:extLst>
       <p:ext uri="{BB962C8B-B14F-4D97-AF65-F5344CB8AC3E}">
         <p14:creationId xmlns:p14="http://schemas.microsoft.com/office/powerpoint/2010/main" val="131992316"/>
-      </p:ext>
-    </p:extLst>
-  </p:cSld>
-  <p:clrMapOvr>
-    <a:masterClrMapping/>
-  </p:clrMapOvr>
-</p:sld>
-</file>
-
-<file path=ppt/slides/slide13.xml><?xml version="1.0" encoding="utf-8"?>
-<p:sld xmlns:a="http://schemas.openxmlformats.org/drawingml/2006/main" xmlns:r="http://schemas.openxmlformats.org/officeDocument/2006/relationships" xmlns:p="http://schemas.openxmlformats.org/presentationml/2006/main">
-  <p:cSld>
-    <p:spTree>
-      <p:nvGrpSpPr>
-        <p:cNvPr id="1" name=""/>
-        <p:cNvGrpSpPr/>
-        <p:nvPr/>
-      </p:nvGrpSpPr>
-      <p:grpSpPr>
-        <a:xfrm>
-          <a:off x="0" y="0"/>
-          <a:ext cx="0" cy="0"/>
-          <a:chOff x="0" y="0"/>
-          <a:chExt cx="0" cy="0"/>
-        </a:xfrm>
-      </p:grpSpPr>
-      <p:sp>
-        <p:nvSpPr>
-          <p:cNvPr id="2" name="Başlık 1">
-            <a:extLst>
-              <a:ext uri="{FF2B5EF4-FFF2-40B4-BE49-F238E27FC236}">
-                <a16:creationId xmlns:a16="http://schemas.microsoft.com/office/drawing/2014/main" id="{7342C264-B4EE-9809-0127-D0AF952C36FB}"/>
-              </a:ext>
-            </a:extLst>
-          </p:cNvPr>
-          <p:cNvSpPr>
-            <a:spLocks noGrp="1"/>
-          </p:cNvSpPr>
-          <p:nvPr>
-            <p:ph type="title"/>
-          </p:nvPr>
-        </p:nvSpPr>
-        <p:spPr>
-          <a:xfrm>
-            <a:off x="598716" y="535710"/>
-            <a:ext cx="10325000" cy="608245"/>
-          </a:xfrm>
-        </p:spPr>
-        <p:txBody>
-          <a:bodyPr>
-            <a:normAutofit/>
-          </a:bodyPr>
-          <a:lstStyle/>
-          <a:p>
-            <a:r>
-              <a:rPr lang="tr-TR" sz="3200" dirty="0"/>
-              <a:t>Öğrenci Yoklama Katılım</a:t>
-            </a:r>
-          </a:p>
-        </p:txBody>
-      </p:sp>
-      <p:sp>
-        <p:nvSpPr>
-          <p:cNvPr id="6" name="Metin kutusu 5">
-            <a:extLst>
-              <a:ext uri="{FF2B5EF4-FFF2-40B4-BE49-F238E27FC236}">
-                <a16:creationId xmlns:a16="http://schemas.microsoft.com/office/drawing/2014/main" id="{61FBE533-A015-B796-1E87-62B09C4AAF13}"/>
-              </a:ext>
-            </a:extLst>
-          </p:cNvPr>
-          <p:cNvSpPr txBox="1"/>
-          <p:nvPr/>
-        </p:nvSpPr>
-        <p:spPr>
-          <a:xfrm>
-            <a:off x="598716" y="1212503"/>
-            <a:ext cx="4010229" cy="1477328"/>
-          </a:xfrm>
-          <a:prstGeom prst="rect">
-            <a:avLst/>
-          </a:prstGeom>
-          <a:noFill/>
-        </p:spPr>
-        <p:txBody>
-          <a:bodyPr wrap="square" rtlCol="0">
-            <a:spAutoFit/>
-          </a:bodyPr>
-          <a:lstStyle/>
-          <a:p>
-            <a:r>
-              <a:rPr lang="tr-TR" dirty="0"/>
-              <a:t>İnput kısmımıza öğrenci dersinin kodunu girerek ‘Yoklamaya Katıl’ butonuna </a:t>
-            </a:r>
-            <a:r>
-              <a:rPr lang="tr-TR"/>
-              <a:t>tıkladığında  yoklamada </a:t>
-            </a:r>
-            <a:r>
-              <a:rPr lang="tr-TR" dirty="0"/>
-              <a:t>yoksa katılacak varsa zaten katıldınız bildirimi alacaktır.</a:t>
-            </a:r>
-          </a:p>
-        </p:txBody>
-      </p:sp>
-      <p:pic>
-        <p:nvPicPr>
-          <p:cNvPr id="5" name="Resim 4">
-            <a:extLst>
-              <a:ext uri="{FF2B5EF4-FFF2-40B4-BE49-F238E27FC236}">
-                <a16:creationId xmlns:a16="http://schemas.microsoft.com/office/drawing/2014/main" id="{02FB522B-0FC2-049D-5232-B9CF9F2616AD}"/>
-              </a:ext>
-            </a:extLst>
-          </p:cNvPr>
-          <p:cNvPicPr>
-            <a:picLocks noChangeAspect="1"/>
-          </p:cNvPicPr>
-          <p:nvPr/>
-        </p:nvPicPr>
-        <p:blipFill>
-          <a:blip r:embed="rId2"/>
-          <a:stretch>
-            <a:fillRect/>
-          </a:stretch>
-        </p:blipFill>
-        <p:spPr>
-          <a:xfrm>
-            <a:off x="6880013" y="706570"/>
-            <a:ext cx="5247624" cy="5357113"/>
-          </a:xfrm>
-          <a:prstGeom prst="rect">
-            <a:avLst/>
-          </a:prstGeom>
-        </p:spPr>
-      </p:pic>
-      <p:pic>
-        <p:nvPicPr>
-          <p:cNvPr id="14" name="Resim 13">
-            <a:extLst>
-              <a:ext uri="{FF2B5EF4-FFF2-40B4-BE49-F238E27FC236}">
-                <a16:creationId xmlns:a16="http://schemas.microsoft.com/office/drawing/2014/main" id="{47BAC279-142C-208A-0D23-89FAFE6A2369}"/>
-              </a:ext>
-            </a:extLst>
-          </p:cNvPr>
-          <p:cNvPicPr>
-            <a:picLocks noChangeAspect="1"/>
-          </p:cNvPicPr>
-          <p:nvPr/>
-        </p:nvPicPr>
-        <p:blipFill>
-          <a:blip r:embed="rId3"/>
-          <a:stretch>
-            <a:fillRect/>
-          </a:stretch>
-        </p:blipFill>
-        <p:spPr>
-          <a:xfrm>
-            <a:off x="598716" y="2689831"/>
-            <a:ext cx="4800230" cy="4143898"/>
-          </a:xfrm>
-          <a:prstGeom prst="rect">
-            <a:avLst/>
-          </a:prstGeom>
-        </p:spPr>
-      </p:pic>
-    </p:spTree>
-    <p:extLst>
-      <p:ext uri="{BB962C8B-B14F-4D97-AF65-F5344CB8AC3E}">
-        <p14:creationId xmlns:p14="http://schemas.microsoft.com/office/powerpoint/2010/main" val="3054938297"/>
       </p:ext>
     </p:extLst>
   </p:cSld>
@@ -21081,7 +21257,7 @@
           <a:p>
             <a:r>
               <a:rPr lang="tr-TR" sz="1600" dirty="0"/>
-              <a:t>6.Slaytta bahsettiğimiz üzere bu sorgu sayesinde Profesör ders yoklamasını başlatmadan kayıt yapılamamaktadır.</a:t>
+              <a:t>8.Slaytta bahsettiğimiz üzere bu sorgu sayesinde Profesör ders yoklamasını başlatmadan kayıt yapılamamaktadır.</a:t>
             </a:r>
           </a:p>
         </p:txBody>
@@ -29852,7 +30028,7 @@
         </p:nvSpPr>
         <p:spPr>
           <a:xfrm>
-            <a:off x="7883409" y="1950951"/>
+            <a:off x="8257925" y="1950951"/>
             <a:ext cx="3215561" cy="923330"/>
           </a:xfrm>
           <a:prstGeom prst="rect">
@@ -30248,7 +30424,7 @@
           <a:p>
             <a:r>
               <a:rPr lang="tr-TR" dirty="0"/>
-              <a:t>İnput kısmımıza Profesörü dersinin Kodunu girerek Yoklama butonuna tıkladığında yoklamamız başlamış olacaktır</a:t>
+              <a:t>İnput kısmımıza Profesörün istediği dersin kodunu girerek ‘Yoklama’ butonuna tıkladığında yoklamamız başlamış olacaktır</a:t>
             </a:r>
           </a:p>
         </p:txBody>
@@ -30535,10 +30711,10 @@
       </p:grpSpPr>
       <p:pic>
         <p:nvPicPr>
-          <p:cNvPr id="7" name="Resim 6">
+          <p:cNvPr id="19" name="Resim 18">
             <a:extLst>
               <a:ext uri="{FF2B5EF4-FFF2-40B4-BE49-F238E27FC236}">
-                <a16:creationId xmlns:a16="http://schemas.microsoft.com/office/drawing/2014/main" id="{C0788B68-5AD9-2293-C49B-4FAAF410B8B6}"/>
+                <a16:creationId xmlns:a16="http://schemas.microsoft.com/office/drawing/2014/main" id="{3FC57990-65D0-0983-5D18-242897CF4A29}"/>
               </a:ext>
             </a:extLst>
           </p:cNvPr>
@@ -30555,8 +30731,8 @@
         </p:blipFill>
         <p:spPr>
           <a:xfrm>
-            <a:off x="6052519" y="1288473"/>
-            <a:ext cx="6139481" cy="4451927"/>
+            <a:off x="6273729" y="1355767"/>
+            <a:ext cx="5995183" cy="4347292"/>
           </a:xfrm>
           <a:prstGeom prst="rect">
             <a:avLst/>
@@ -30581,16 +30757,18 @@
         </p:nvSpPr>
         <p:spPr>
           <a:xfrm>
-            <a:off x="691079" y="240145"/>
+            <a:off x="494231" y="43835"/>
             <a:ext cx="10325000" cy="1048328"/>
           </a:xfrm>
         </p:spPr>
         <p:txBody>
-          <a:bodyPr/>
+          <a:bodyPr>
+            <a:normAutofit/>
+          </a:bodyPr>
           <a:lstStyle/>
           <a:p>
             <a:r>
-              <a:rPr lang="tr-TR" dirty="0"/>
+              <a:rPr lang="tr-TR" sz="4000" dirty="0"/>
               <a:t>Tabloya Öğrenci Ekleme</a:t>
             </a:r>
           </a:p>
@@ -30614,7 +30792,7 @@
         </p:nvSpPr>
         <p:spPr>
           <a:xfrm>
-            <a:off x="502777" y="1586465"/>
+            <a:off x="494231" y="1260422"/>
             <a:ext cx="3394105" cy="910601"/>
           </a:xfrm>
         </p:spPr>
@@ -30626,13 +30804,7 @@
           <a:p>
             <a:r>
               <a:rPr lang="tr-TR" dirty="0"/>
-              <a:t>Dersin öğrenci bilgisi</a:t>
-            </a:r>
-          </a:p>
-          <a:p>
-            <a:r>
-              <a:rPr lang="tr-TR" dirty="0"/>
-              <a:t>Monolog öğrenci ekleme</a:t>
+              <a:t>Yoklama Tablomuza veri ekleme ve oluşturma</a:t>
             </a:r>
           </a:p>
           <a:p>
@@ -30660,11 +30832,11 @@
         <p:spPr>
           <a:xfrm>
             <a:off x="3777241" y="1732218"/>
-            <a:ext cx="3657600" cy="1147715"/>
+            <a:ext cx="3688716" cy="2341018"/>
           </a:xfrm>
           <a:prstGeom prst="bentConnector3">
             <a:avLst>
-              <a:gd name="adj1" fmla="val 49533"/>
+              <a:gd name="adj1" fmla="val 87531"/>
             </a:avLst>
           </a:prstGeom>
           <a:ln w="28575">
@@ -30689,110 +30861,12 @@
           </a:fontRef>
         </p:style>
       </p:cxnSp>
-      <p:cxnSp>
-        <p:nvCxnSpPr>
-          <p:cNvPr id="13" name="Bağlayıcı: Dirsek 12">
+      <p:pic>
+        <p:nvPicPr>
+          <p:cNvPr id="5" name="Resim 4">
             <a:extLst>
               <a:ext uri="{FF2B5EF4-FFF2-40B4-BE49-F238E27FC236}">
-                <a16:creationId xmlns:a16="http://schemas.microsoft.com/office/drawing/2014/main" id="{52502AE4-D6A6-B8EC-AD4E-06F044863489}"/>
-              </a:ext>
-            </a:extLst>
-          </p:cNvPr>
-          <p:cNvCxnSpPr>
-            <a:cxnSpLocks/>
-          </p:cNvCxnSpPr>
-          <p:nvPr/>
-        </p:nvCxnSpPr>
-        <p:spPr>
-          <a:xfrm>
-            <a:off x="3777241" y="2336801"/>
-            <a:ext cx="3546505" cy="910601"/>
-          </a:xfrm>
-          <a:prstGeom prst="bentConnector3">
-            <a:avLst>
-              <a:gd name="adj1" fmla="val 37229"/>
-            </a:avLst>
-          </a:prstGeom>
-          <a:ln w="28575">
-            <a:solidFill>
-              <a:schemeClr val="tx1"/>
-            </a:solidFill>
-            <a:tailEnd type="triangle"/>
-          </a:ln>
-        </p:spPr>
-        <p:style>
-          <a:lnRef idx="1">
-            <a:schemeClr val="accent1"/>
-          </a:lnRef>
-          <a:fillRef idx="0">
-            <a:schemeClr val="accent1"/>
-          </a:fillRef>
-          <a:effectRef idx="0">
-            <a:schemeClr val="accent1"/>
-          </a:effectRef>
-          <a:fontRef idx="minor">
-            <a:schemeClr val="tx1"/>
-          </a:fontRef>
-        </p:style>
-      </p:cxnSp>
-      <p:sp>
-        <p:nvSpPr>
-          <p:cNvPr id="28" name="Metin kutusu 27">
-            <a:extLst>
-              <a:ext uri="{FF2B5EF4-FFF2-40B4-BE49-F238E27FC236}">
-                <a16:creationId xmlns:a16="http://schemas.microsoft.com/office/drawing/2014/main" id="{D9FA0CA6-A924-2FEF-99AB-B5CB55CA9A54}"/>
-              </a:ext>
-            </a:extLst>
-          </p:cNvPr>
-          <p:cNvSpPr txBox="1"/>
-          <p:nvPr/>
-        </p:nvSpPr>
-        <p:spPr>
-          <a:xfrm>
-            <a:off x="691079" y="2585014"/>
-            <a:ext cx="4204530" cy="1477328"/>
-          </a:xfrm>
-          <a:prstGeom prst="rect">
-            <a:avLst/>
-          </a:prstGeom>
-          <a:noFill/>
-        </p:spPr>
-        <p:txBody>
-          <a:bodyPr wrap="square" rtlCol="0">
-            <a:spAutoFit/>
-          </a:bodyPr>
-          <a:lstStyle/>
-          <a:p>
-            <a:r>
-              <a:rPr lang="tr-TR" dirty="0"/>
-              <a:t>İnputtan öğrenci numarası girilip</a:t>
-            </a:r>
-            <a:br>
-              <a:rPr lang="tr-TR" dirty="0"/>
-            </a:br>
-            <a:r>
-              <a:rPr lang="tr-TR" dirty="0"/>
-              <a:t>butona tıkladığımızda </a:t>
-            </a:r>
-            <a:br>
-              <a:rPr lang="tr-TR" dirty="0"/>
-            </a:br>
-            <a:r>
-              <a:rPr lang="tr-TR" dirty="0"/>
-              <a:t>yoklama rapor tablomuzda öğrencimizi ekleyecektir</a:t>
-            </a:r>
-          </a:p>
-          <a:p>
-            <a:endParaRPr lang="tr-TR" dirty="0"/>
-          </a:p>
-        </p:txBody>
-      </p:sp>
-      <p:pic>
-        <p:nvPicPr>
-          <p:cNvPr id="30" name="Resim 29">
-            <a:extLst>
-              <a:ext uri="{FF2B5EF4-FFF2-40B4-BE49-F238E27FC236}">
-                <a16:creationId xmlns:a16="http://schemas.microsoft.com/office/drawing/2014/main" id="{F79A433D-9B57-2C44-9345-751D9A857B3F}"/>
+                <a16:creationId xmlns:a16="http://schemas.microsoft.com/office/drawing/2014/main" id="{CA21877F-D609-51CF-B1A8-B7F416E376E3}"/>
               </a:ext>
             </a:extLst>
           </p:cNvPr>
@@ -30809,8 +30883,98 @@
         </p:blipFill>
         <p:spPr>
           <a:xfrm>
-            <a:off x="691079" y="3862667"/>
-            <a:ext cx="5058481" cy="2019582"/>
+            <a:off x="103055" y="2452406"/>
+            <a:ext cx="3494726" cy="1620830"/>
+          </a:xfrm>
+          <a:prstGeom prst="rect">
+            <a:avLst/>
+          </a:prstGeom>
+        </p:spPr>
+      </p:pic>
+      <p:pic>
+        <p:nvPicPr>
+          <p:cNvPr id="7" name="Resim 6">
+            <a:extLst>
+              <a:ext uri="{FF2B5EF4-FFF2-40B4-BE49-F238E27FC236}">
+                <a16:creationId xmlns:a16="http://schemas.microsoft.com/office/drawing/2014/main" id="{B2CCBAEF-3A1D-9DA4-F728-DC7BDC59E0E3}"/>
+              </a:ext>
+            </a:extLst>
+          </p:cNvPr>
+          <p:cNvPicPr>
+            <a:picLocks noChangeAspect="1"/>
+          </p:cNvPicPr>
+          <p:nvPr/>
+        </p:nvPicPr>
+        <p:blipFill>
+          <a:blip r:embed="rId4"/>
+          <a:stretch>
+            <a:fillRect/>
+          </a:stretch>
+        </p:blipFill>
+        <p:spPr>
+          <a:xfrm>
+            <a:off x="3664918" y="2811078"/>
+            <a:ext cx="3034233" cy="3623354"/>
+          </a:xfrm>
+          <a:prstGeom prst="rect">
+            <a:avLst/>
+          </a:prstGeom>
+        </p:spPr>
+      </p:pic>
+      <p:pic>
+        <p:nvPicPr>
+          <p:cNvPr id="12" name="Resim 11">
+            <a:extLst>
+              <a:ext uri="{FF2B5EF4-FFF2-40B4-BE49-F238E27FC236}">
+                <a16:creationId xmlns:a16="http://schemas.microsoft.com/office/drawing/2014/main" id="{15A0313F-8F70-AB7D-9459-B72F1F0F8206}"/>
+              </a:ext>
+            </a:extLst>
+          </p:cNvPr>
+          <p:cNvPicPr>
+            <a:picLocks noChangeAspect="1"/>
+          </p:cNvPicPr>
+          <p:nvPr/>
+        </p:nvPicPr>
+        <p:blipFill>
+          <a:blip r:embed="rId5"/>
+          <a:stretch>
+            <a:fillRect/>
+          </a:stretch>
+        </p:blipFill>
+        <p:spPr>
+          <a:xfrm>
+            <a:off x="103055" y="4189289"/>
+            <a:ext cx="2286046" cy="1802982"/>
+          </a:xfrm>
+          <a:prstGeom prst="rect">
+            <a:avLst/>
+          </a:prstGeom>
+        </p:spPr>
+      </p:pic>
+      <p:pic>
+        <p:nvPicPr>
+          <p:cNvPr id="18" name="Resim 17">
+            <a:extLst>
+              <a:ext uri="{FF2B5EF4-FFF2-40B4-BE49-F238E27FC236}">
+                <a16:creationId xmlns:a16="http://schemas.microsoft.com/office/drawing/2014/main" id="{113BFF65-BE5D-D572-01F9-2862547DC2EF}"/>
+              </a:ext>
+            </a:extLst>
+          </p:cNvPr>
+          <p:cNvPicPr>
+            <a:picLocks noChangeAspect="1"/>
+          </p:cNvPicPr>
+          <p:nvPr/>
+        </p:nvPicPr>
+        <p:blipFill>
+          <a:blip r:embed="rId6"/>
+          <a:stretch>
+            <a:fillRect/>
+          </a:stretch>
+        </p:blipFill>
+        <p:spPr>
+          <a:xfrm>
+            <a:off x="103055" y="2201235"/>
+            <a:ext cx="4686954" cy="219106"/>
           </a:xfrm>
           <a:prstGeom prst="rect">
             <a:avLst/>
@@ -30820,7 +30984,7 @@
     </p:spTree>
     <p:extLst>
       <p:ext uri="{BB962C8B-B14F-4D97-AF65-F5344CB8AC3E}">
-        <p14:creationId xmlns:p14="http://schemas.microsoft.com/office/powerpoint/2010/main" val="2860701361"/>
+        <p14:creationId xmlns:p14="http://schemas.microsoft.com/office/powerpoint/2010/main" val="3887720201"/>
       </p:ext>
     </p:extLst>
   </p:cSld>
